--- a/PWP Presentation 1/Présentation_modifier.pptx
+++ b/PWP Presentation 1/Présentation_modifier.pptx
@@ -363,7 +363,7 @@
             <a:fld id="{B61BEF0D-F0BB-DE4B-95CE-6DB70DBA9567}" type="datetimeFigureOut">
               <a:rPr lang="en-US" dirty="0"/>
               <a:pPr/>
-              <a:t>12/17/2016</a:t>
+              <a:t>12/18/2016</a:t>
             </a:fld>
             <a:endParaRPr lang="en-US" dirty="0"/>
           </a:p>
@@ -694,7 +694,7 @@
             <a:fld id="{B61BEF0D-F0BB-DE4B-95CE-6DB70DBA9567}" type="datetimeFigureOut">
               <a:rPr lang="en-US" dirty="0"/>
               <a:pPr/>
-              <a:t>12/17/2016</a:t>
+              <a:t>12/18/2016</a:t>
             </a:fld>
             <a:endParaRPr lang="en-US" dirty="0"/>
           </a:p>
@@ -969,7 +969,7 @@
             <a:fld id="{B61BEF0D-F0BB-DE4B-95CE-6DB70DBA9567}" type="datetimeFigureOut">
               <a:rPr lang="en-US" dirty="0"/>
               <a:pPr/>
-              <a:t>12/17/2016</a:t>
+              <a:t>12/18/2016</a:t>
             </a:fld>
             <a:endParaRPr lang="en-US" dirty="0"/>
           </a:p>
@@ -1534,7 +1534,7 @@
             <a:fld id="{B61BEF0D-F0BB-DE4B-95CE-6DB70DBA9567}" type="datetimeFigureOut">
               <a:rPr lang="en-US" dirty="0"/>
               <a:pPr/>
-              <a:t>12/17/2016</a:t>
+              <a:t>12/18/2016</a:t>
             </a:fld>
             <a:endParaRPr lang="en-US" dirty="0"/>
           </a:p>
@@ -1809,7 +1809,7 @@
             <a:fld id="{B61BEF0D-F0BB-DE4B-95CE-6DB70DBA9567}" type="datetimeFigureOut">
               <a:rPr lang="en-US" dirty="0"/>
               <a:pPr/>
-              <a:t>12/17/2016</a:t>
+              <a:t>12/18/2016</a:t>
             </a:fld>
             <a:endParaRPr lang="en-US" dirty="0"/>
           </a:p>
@@ -2368,7 +2368,7 @@
             <a:fld id="{B61BEF0D-F0BB-DE4B-95CE-6DB70DBA9567}" type="datetimeFigureOut">
               <a:rPr lang="en-US" dirty="0"/>
               <a:pPr/>
-              <a:t>12/17/2016</a:t>
+              <a:t>12/18/2016</a:t>
             </a:fld>
             <a:endParaRPr lang="en-US" dirty="0"/>
           </a:p>
@@ -2692,7 +2692,7 @@
             <a:fld id="{B61BEF0D-F0BB-DE4B-95CE-6DB70DBA9567}" type="datetimeFigureOut">
               <a:rPr lang="en-US" dirty="0"/>
               <a:pPr/>
-              <a:t>12/17/2016</a:t>
+              <a:t>12/18/2016</a:t>
             </a:fld>
             <a:endParaRPr lang="en-US" dirty="0"/>
           </a:p>
@@ -2894,7 +2894,7 @@
             <a:fld id="{B61BEF0D-F0BB-DE4B-95CE-6DB70DBA9567}" type="datetimeFigureOut">
               <a:rPr lang="en-US" dirty="0"/>
               <a:pPr/>
-              <a:t>12/17/2016</a:t>
+              <a:t>12/18/2016</a:t>
             </a:fld>
             <a:endParaRPr lang="en-US" dirty="0"/>
           </a:p>
@@ -3101,7 +3101,7 @@
             <a:fld id="{B61BEF0D-F0BB-DE4B-95CE-6DB70DBA9567}" type="datetimeFigureOut">
               <a:rPr lang="en-US" dirty="0"/>
               <a:pPr/>
-              <a:t>12/17/2016</a:t>
+              <a:t>12/18/2016</a:t>
             </a:fld>
             <a:endParaRPr lang="en-US" dirty="0"/>
           </a:p>
@@ -3298,7 +3298,7 @@
             <a:fld id="{B61BEF0D-F0BB-DE4B-95CE-6DB70DBA9567}" type="datetimeFigureOut">
               <a:rPr lang="en-US" dirty="0"/>
               <a:pPr/>
-              <a:t>12/17/2016</a:t>
+              <a:t>12/18/2016</a:t>
             </a:fld>
             <a:endParaRPr lang="en-US" dirty="0"/>
           </a:p>
@@ -3571,7 +3571,7 @@
             <a:fld id="{B61BEF0D-F0BB-DE4B-95CE-6DB70DBA9567}" type="datetimeFigureOut">
               <a:rPr lang="en-US" dirty="0"/>
               <a:pPr/>
-              <a:t>12/17/2016</a:t>
+              <a:t>12/18/2016</a:t>
             </a:fld>
             <a:endParaRPr lang="en-US" dirty="0"/>
           </a:p>
@@ -3834,7 +3834,7 @@
             <a:fld id="{B61BEF0D-F0BB-DE4B-95CE-6DB70DBA9567}" type="datetimeFigureOut">
               <a:rPr lang="en-US" dirty="0"/>
               <a:pPr/>
-              <a:t>12/17/2016</a:t>
+              <a:t>12/18/2016</a:t>
             </a:fld>
             <a:endParaRPr lang="en-US" dirty="0"/>
           </a:p>
@@ -4205,7 +4205,7 @@
             <a:fld id="{B61BEF0D-F0BB-DE4B-95CE-6DB70DBA9567}" type="datetimeFigureOut">
               <a:rPr lang="en-US" dirty="0"/>
               <a:pPr/>
-              <a:t>12/17/2016</a:t>
+              <a:t>12/18/2016</a:t>
             </a:fld>
             <a:endParaRPr lang="en-US" dirty="0"/>
           </a:p>
@@ -4350,7 +4350,7 @@
             <a:fld id="{B61BEF0D-F0BB-DE4B-95CE-6DB70DBA9567}" type="datetimeFigureOut">
               <a:rPr lang="en-US" dirty="0"/>
               <a:pPr/>
-              <a:t>12/17/2016</a:t>
+              <a:t>12/18/2016</a:t>
             </a:fld>
             <a:endParaRPr lang="en-US" dirty="0"/>
           </a:p>
@@ -4472,7 +4472,7 @@
             <a:fld id="{B61BEF0D-F0BB-DE4B-95CE-6DB70DBA9567}" type="datetimeFigureOut">
               <a:rPr lang="en-US" dirty="0"/>
               <a:pPr/>
-              <a:t>12/17/2016</a:t>
+              <a:t>12/18/2016</a:t>
             </a:fld>
             <a:endParaRPr lang="en-US" dirty="0"/>
           </a:p>
@@ -4754,7 +4754,7 @@
             <a:fld id="{B61BEF0D-F0BB-DE4B-95CE-6DB70DBA9567}" type="datetimeFigureOut">
               <a:rPr lang="en-US" dirty="0"/>
               <a:pPr/>
-              <a:t>12/17/2016</a:t>
+              <a:t>12/18/2016</a:t>
             </a:fld>
             <a:endParaRPr lang="en-US" dirty="0"/>
           </a:p>
@@ -5075,7 +5075,7 @@
             <a:fld id="{B61BEF0D-F0BB-DE4B-95CE-6DB70DBA9567}" type="datetimeFigureOut">
               <a:rPr lang="en-US" dirty="0"/>
               <a:pPr/>
-              <a:t>12/17/2016</a:t>
+              <a:t>12/18/2016</a:t>
             </a:fld>
             <a:endParaRPr lang="en-US" dirty="0"/>
           </a:p>
@@ -5286,7 +5286,7 @@
             <a:fld id="{B61BEF0D-F0BB-DE4B-95CE-6DB70DBA9567}" type="datetimeFigureOut">
               <a:rPr lang="en-US" dirty="0"/>
               <a:pPr/>
-              <a:t>12/17/2016</a:t>
+              <a:t>12/18/2016</a:t>
             </a:fld>
             <a:endParaRPr lang="en-US" dirty="0"/>
           </a:p>
@@ -6188,6 +6188,66 @@
               <a:rPr lang="fr-BE" dirty="0"/>
               <a:t>LANGAGE JAVA</a:t>
             </a:r>
+          </a:p>
+        </p:txBody>
+      </p:sp>
+      <p:pic>
+        <p:nvPicPr>
+          <p:cNvPr id="3" name="Image 2"/>
+          <p:cNvPicPr>
+            <a:picLocks noChangeAspect="1"/>
+          </p:cNvPicPr>
+          <p:nvPr/>
+        </p:nvPicPr>
+        <p:blipFill>
+          <a:blip r:embed="rId6">
+            <a:extLst>
+              <a:ext uri="{28A0092B-C50C-407E-A947-70E740481C1C}">
+                <a14:useLocalDpi xmlns:a14="http://schemas.microsoft.com/office/drawing/2010/main" val="0"/>
+              </a:ext>
+            </a:extLst>
+          </a:blip>
+          <a:stretch>
+            <a:fillRect/>
+          </a:stretch>
+        </p:blipFill>
+        <p:spPr>
+          <a:xfrm>
+            <a:off x="5751513" y="2065867"/>
+            <a:ext cx="900000" cy="900000"/>
+          </a:xfrm>
+          <a:prstGeom prst="rect">
+            <a:avLst/>
+          </a:prstGeom>
+        </p:spPr>
+      </p:pic>
+      <p:sp>
+        <p:nvSpPr>
+          <p:cNvPr id="11" name="ZoneTexte 10"/>
+          <p:cNvSpPr txBox="1"/>
+          <p:nvPr/>
+        </p:nvSpPr>
+        <p:spPr>
+          <a:xfrm>
+            <a:off x="7113036" y="2331201"/>
+            <a:ext cx="665567" cy="369332"/>
+          </a:xfrm>
+          <a:prstGeom prst="rect">
+            <a:avLst/>
+          </a:prstGeom>
+          <a:noFill/>
+        </p:spPr>
+        <p:txBody>
+          <a:bodyPr wrap="none" rtlCol="0">
+            <a:spAutoFit/>
+          </a:bodyPr>
+          <a:lstStyle/>
+          <a:p>
+            <a:r>
+              <a:rPr lang="fr-BE" dirty="0" smtClean="0"/>
+              <a:t>JSON</a:t>
+            </a:r>
+            <a:endParaRPr lang="fr-BE" dirty="0"/>
           </a:p>
         </p:txBody>
       </p:sp>
@@ -6695,6 +6755,79 @@
                                   </p:childTnLst>
                                 </p:cTn>
                               </p:par>
+                              <p:par>
+                                <p:cTn id="33" presetID="2" presetClass="entr" presetSubtype="4" fill="hold" grpId="0" nodeType="withEffect">
+                                  <p:stCondLst>
+                                    <p:cond delay="0"/>
+                                  </p:stCondLst>
+                                  <p:childTnLst>
+                                    <p:set>
+                                      <p:cBhvr>
+                                        <p:cTn id="34" dur="1" fill="hold">
+                                          <p:stCondLst>
+                                            <p:cond delay="0"/>
+                                          </p:stCondLst>
+                                        </p:cTn>
+                                        <p:tgtEl>
+                                          <p:spTgt spid="11"/>
+                                        </p:tgtEl>
+                                        <p:attrNameLst>
+                                          <p:attrName>style.visibility</p:attrName>
+                                        </p:attrNameLst>
+                                      </p:cBhvr>
+                                      <p:to>
+                                        <p:strVal val="visible"/>
+                                      </p:to>
+                                    </p:set>
+                                    <p:anim calcmode="lin" valueType="num">
+                                      <p:cBhvr additive="base">
+                                        <p:cTn id="35" dur="500" fill="hold"/>
+                                        <p:tgtEl>
+                                          <p:spTgt spid="11"/>
+                                        </p:tgtEl>
+                                        <p:attrNameLst>
+                                          <p:attrName>ppt_x</p:attrName>
+                                        </p:attrNameLst>
+                                      </p:cBhvr>
+                                      <p:tavLst>
+                                        <p:tav tm="0">
+                                          <p:val>
+                                            <p:strVal val="#ppt_x"/>
+                                          </p:val>
+                                        </p:tav>
+                                        <p:tav tm="100000">
+                                          <p:val>
+                                            <p:strVal val="#ppt_x"/>
+                                          </p:val>
+                                        </p:tav>
+                                      </p:tavLst>
+                                    </p:anim>
+                                    <p:anim calcmode="lin" valueType="num">
+                                      <p:cBhvr additive="base">
+                                        <p:cTn id="36" dur="500" fill="hold"/>
+                                        <p:tgtEl>
+                                          <p:spTgt spid="11"/>
+                                        </p:tgtEl>
+                                        <p:attrNameLst>
+                                          <p:attrName>ppt_y</p:attrName>
+                                        </p:attrNameLst>
+                                      </p:cBhvr>
+                                      <p:tavLst>
+                                        <p:tav tm="0">
+                                          <p:val>
+                                            <p:strVal val="1+#ppt_h/2"/>
+                                          </p:val>
+                                        </p:tav>
+                                        <p:tav tm="100000">
+                                          <p:val>
+                                            <p:strVal val="#ppt_y"/>
+                                          </p:val>
+                                        </p:tav>
+                                      </p:tavLst>
+                                    </p:anim>
+                                  </p:childTnLst>
+                                </p:cTn>
+                              </p:par>
                             </p:childTnLst>
                           </p:cTn>
                         </p:par>
@@ -6726,6 +6859,7 @@
       <p:bldP spid="6" grpId="0"/>
       <p:bldP spid="10" grpId="0"/>
       <p:bldP spid="9" grpId="0"/>
+      <p:bldP spid="11" grpId="0"/>
     </p:bldLst>
   </p:timing>
 </p:sld>
@@ -7981,7 +8115,12 @@
             <p:ph type="title"/>
           </p:nvPr>
         </p:nvSpPr>
-        <p:spPr/>
+        <p:spPr>
+          <a:xfrm>
+            <a:off x="710139" y="283029"/>
+            <a:ext cx="10131425" cy="1456267"/>
+          </a:xfrm>
+        </p:spPr>
         <p:txBody>
           <a:bodyPr/>
           <a:lstStyle/>
@@ -8080,11 +8219,17 @@
             <p:ph type="title"/>
           </p:nvPr>
         </p:nvSpPr>
-        <p:spPr/>
+        <p:spPr>
+          <a:xfrm>
+            <a:off x="685801" y="273698"/>
+            <a:ext cx="10131425" cy="1456267"/>
+          </a:xfrm>
+        </p:spPr>
         <p:txBody>
           <a:bodyPr/>
           <a:lstStyle/>
           <a:p>
+            <a:pPr algn="ctr"/>
             <a:r>
               <a:rPr lang="fr-BE" dirty="0" err="1"/>
               <a:t>Demo</a:t>
@@ -8176,7 +8321,12 @@
             <p:ph type="title"/>
           </p:nvPr>
         </p:nvSpPr>
-        <p:spPr/>
+        <p:spPr>
+          <a:xfrm>
+            <a:off x="685800" y="245706"/>
+            <a:ext cx="10131425" cy="1456267"/>
+          </a:xfrm>
+        </p:spPr>
         <p:txBody>
           <a:bodyPr/>
           <a:lstStyle/>
@@ -8208,25 +8358,32 @@
       </p:sp>
       <p:pic>
         <p:nvPicPr>
-          <p:cNvPr id="4" name="Espace réservé du contenu 3"/>
+          <p:cNvPr id="3" name="Image 2"/>
           <p:cNvPicPr>
-            <a:picLocks noGrp="1" noChangeAspect="1"/>
+            <a:picLocks noChangeAspect="1"/>
           </p:cNvPicPr>
-          <p:nvPr>
-            <p:ph idx="1"/>
-          </p:nvPr>
+          <p:nvPr/>
         </p:nvPicPr>
         <p:blipFill>
-          <a:blip r:embed="rId2"/>
+          <a:blip r:embed="rId2">
+            <a:extLst>
+              <a:ext uri="{28A0092B-C50C-407E-A947-70E740481C1C}">
+                <a14:useLocalDpi xmlns:a14="http://schemas.microsoft.com/office/drawing/2010/main" val="0"/>
+              </a:ext>
+            </a:extLst>
+          </a:blip>
           <a:stretch>
             <a:fillRect/>
           </a:stretch>
         </p:blipFill>
         <p:spPr>
           <a:xfrm>
-            <a:off x="2791166" y="2955236"/>
-            <a:ext cx="5920693" cy="1372097"/>
-          </a:xfrm>
+            <a:off x="4027488" y="2324780"/>
+            <a:ext cx="3448050" cy="3514725"/>
+          </a:xfrm>
+          <a:prstGeom prst="rect">
+            <a:avLst/>
+          </a:prstGeom>
         </p:spPr>
       </p:pic>
     </p:spTree>
@@ -8272,11 +8429,17 @@
             <p:ph type="title"/>
           </p:nvPr>
         </p:nvSpPr>
-        <p:spPr/>
+        <p:spPr>
+          <a:xfrm>
+            <a:off x="685800" y="161730"/>
+            <a:ext cx="10131425" cy="1456267"/>
+          </a:xfrm>
+        </p:spPr>
         <p:txBody>
           <a:bodyPr/>
           <a:lstStyle/>
           <a:p>
+            <a:pPr algn="ctr"/>
             <a:r>
               <a:rPr lang="fr-BE" dirty="0" err="1"/>
               <a:t>Demo</a:t>
@@ -8360,7 +8523,12 @@
             <p:ph type="title"/>
           </p:nvPr>
         </p:nvSpPr>
-        <p:spPr/>
+        <p:spPr>
+          <a:xfrm>
+            <a:off x="657809" y="264367"/>
+            <a:ext cx="10131425" cy="1456267"/>
+          </a:xfrm>
+        </p:spPr>
         <p:txBody>
           <a:bodyPr/>
           <a:lstStyle/>
@@ -8444,11 +8612,17 @@
             <p:ph type="title"/>
           </p:nvPr>
         </p:nvSpPr>
-        <p:spPr/>
+        <p:spPr>
+          <a:xfrm>
+            <a:off x="685800" y="199053"/>
+            <a:ext cx="10131425" cy="1456267"/>
+          </a:xfrm>
+        </p:spPr>
         <p:txBody>
           <a:bodyPr/>
           <a:lstStyle/>
           <a:p>
+            <a:pPr algn="ctr"/>
             <a:r>
               <a:rPr lang="fr-BE" dirty="0" err="1"/>
               <a:t>Demo</a:t>

--- a/PWP Presentation 1/Présentation_modifier.pptx
+++ b/PWP Presentation 1/Présentation_modifier.pptx
@@ -7830,66 +7830,96 @@
           </a:prstGeom>
         </p:spPr>
       </p:pic>
+      <p:sp>
+        <p:nvSpPr>
+          <p:cNvPr id="10" name="Rectangle 9"/>
+          <p:cNvSpPr/>
+          <p:nvPr/>
+        </p:nvSpPr>
+        <p:spPr>
+          <a:xfrm>
+            <a:off x="2020078" y="5952931"/>
+            <a:ext cx="8598159" cy="369332"/>
+          </a:xfrm>
+          <a:prstGeom prst="rect">
+            <a:avLst/>
+          </a:prstGeom>
+        </p:spPr>
+        <p:txBody>
+          <a:bodyPr wrap="square">
+            <a:spAutoFit/>
+          </a:bodyPr>
+          <a:lstStyle/>
+          <a:p>
+            <a:r>
+              <a:rPr lang="fr-BE" dirty="0"/>
+              <a:t>Réalisation d’une librairie regroupant les fonctionnalités de diverses </a:t>
+            </a:r>
+            <a:r>
+              <a:rPr lang="fr-BE" dirty="0" err="1"/>
+              <a:t>map</a:t>
+            </a:r>
+            <a:r>
+              <a:rPr lang="fr-BE" dirty="0"/>
+              <a:t>/API</a:t>
+            </a:r>
+          </a:p>
+        </p:txBody>
+      </p:sp>
       <p:pic>
         <p:nvPicPr>
-          <p:cNvPr id="9" name="Image 8"/>
+          <p:cNvPr id="8" name="Image 7"/>
           <p:cNvPicPr>
             <a:picLocks noChangeAspect="1"/>
           </p:cNvPicPr>
           <p:nvPr/>
         </p:nvPicPr>
         <p:blipFill>
-          <a:blip r:embed="rId3"/>
+          <a:blip r:embed="rId3">
+            <a:extLst>
+              <a:ext uri="{28A0092B-C50C-407E-A947-70E740481C1C}">
+                <a14:useLocalDpi xmlns:a14="http://schemas.microsoft.com/office/drawing/2010/main" val="0"/>
+              </a:ext>
+            </a:extLst>
+          </a:blip>
           <a:stretch>
             <a:fillRect/>
           </a:stretch>
         </p:blipFill>
         <p:spPr>
           <a:xfrm>
-            <a:off x="4095766" y="1623228"/>
-            <a:ext cx="3311492" cy="3953342"/>
+            <a:off x="4590661" y="1415534"/>
+            <a:ext cx="2485558" cy="4375556"/>
           </a:xfrm>
           <a:prstGeom prst="rect">
             <a:avLst/>
           </a:prstGeom>
         </p:spPr>
       </p:pic>
-      <p:sp>
-        <p:nvSpPr>
-          <p:cNvPr id="10" name="Rectangle 9"/>
-          <p:cNvSpPr/>
+      <p:pic>
+        <p:nvPicPr>
+          <p:cNvPr id="11" name="Image 10"/>
+          <p:cNvPicPr>
+            <a:picLocks noChangeAspect="1"/>
+          </p:cNvPicPr>
           <p:nvPr/>
-        </p:nvSpPr>
+        </p:nvPicPr>
+        <p:blipFill>
+          <a:blip r:embed="rId4"/>
+          <a:stretch>
+            <a:fillRect/>
+          </a:stretch>
+        </p:blipFill>
         <p:spPr>
           <a:xfrm>
-            <a:off x="2020078" y="5952931"/>
-            <a:ext cx="8598159" cy="369332"/>
+            <a:off x="4685749" y="1716833"/>
+            <a:ext cx="2220740" cy="3522180"/>
           </a:xfrm>
           <a:prstGeom prst="rect">
             <a:avLst/>
           </a:prstGeom>
         </p:spPr>
-        <p:txBody>
-          <a:bodyPr wrap="square">
-            <a:spAutoFit/>
-          </a:bodyPr>
-          <a:lstStyle/>
-          <a:p>
-            <a:r>
-              <a:rPr lang="fr-BE" dirty="0"/>
-              <a:t>Réalisation d’une librairie regroupant les fonctionnalités de diverses </a:t>
-            </a:r>
-            <a:r>
-              <a:rPr lang="fr-BE" dirty="0" err="1"/>
-              <a:t>map</a:t>
-            </a:r>
-            <a:r>
-              <a:rPr lang="fr-BE" dirty="0"/>
-              <a:t>/API</a:t>
-            </a:r>
-          </a:p>
-        </p:txBody>
-      </p:sp>
+      </p:pic>
     </p:spTree>
     <p:extLst>
       <p:ext uri="{BB962C8B-B14F-4D97-AF65-F5344CB8AC3E}">
@@ -7921,7 +7951,7 @@
                             </p:stCondLst>
                             <p:childTnLst>
                               <p:par>
-                                <p:cTn id="5" presetID="14" presetClass="entr" presetSubtype="10" fill="hold" nodeType="clickEffect">
+                                <p:cTn id="5" presetID="42" presetClass="entr" presetSubtype="0" fill="hold" grpId="0" nodeType="clickEffect">
                                   <p:stCondLst>
                                     <p:cond delay="0"/>
                                   </p:stCondLst>
@@ -7929,59 +7959,6 @@
                                     <p:set>
                                       <p:cBhvr>
                                         <p:cTn id="6" dur="1" fill="hold">
-                                          <p:stCondLst>
-                                            <p:cond delay="0"/>
-                                          </p:stCondLst>
-                                        </p:cTn>
-                                        <p:tgtEl>
-                                          <p:spTgt spid="9"/>
-                                        </p:tgtEl>
-                                        <p:attrNameLst>
-                                          <p:attrName>style.visibility</p:attrName>
-                                        </p:attrNameLst>
-                                      </p:cBhvr>
-                                      <p:to>
-                                        <p:strVal val="visible"/>
-                                      </p:to>
-                                    </p:set>
-                                    <p:animEffect transition="in" filter="randombar(horizontal)">
-                                      <p:cBhvr>
-                                        <p:cTn id="7" dur="500"/>
-                                        <p:tgtEl>
-                                          <p:spTgt spid="9"/>
-                                        </p:tgtEl>
-                                      </p:cBhvr>
-                                    </p:animEffect>
-                                  </p:childTnLst>
-                                </p:cTn>
-                              </p:par>
-                            </p:childTnLst>
-                          </p:cTn>
-                        </p:par>
-                      </p:childTnLst>
-                    </p:cTn>
-                  </p:par>
-                  <p:par>
-                    <p:cTn id="8" fill="hold">
-                      <p:stCondLst>
-                        <p:cond delay="indefinite"/>
-                      </p:stCondLst>
-                      <p:childTnLst>
-                        <p:par>
-                          <p:cTn id="9" fill="hold">
-                            <p:stCondLst>
-                              <p:cond delay="0"/>
-                            </p:stCondLst>
-                            <p:childTnLst>
-                              <p:par>
-                                <p:cTn id="10" presetID="42" presetClass="entr" presetSubtype="0" fill="hold" grpId="0" nodeType="clickEffect">
-                                  <p:stCondLst>
-                                    <p:cond delay="0"/>
-                                  </p:stCondLst>
-                                  <p:childTnLst>
-                                    <p:set>
-                                      <p:cBhvr>
-                                        <p:cTn id="11" dur="1" fill="hold">
                                           <p:stCondLst>
                                             <p:cond delay="0"/>
                                           </p:stCondLst>
@@ -7999,7 +7976,7 @@
                                     </p:set>
                                     <p:animEffect transition="in" filter="fade">
                                       <p:cBhvr>
-                                        <p:cTn id="12" dur="1000"/>
+                                        <p:cTn id="7" dur="1000"/>
                                         <p:tgtEl>
                                           <p:spTgt spid="10"/>
                                         </p:tgtEl>
@@ -8007,7 +7984,7 @@
                                     </p:animEffect>
                                     <p:anim calcmode="lin" valueType="num">
                                       <p:cBhvr>
-                                        <p:cTn id="13" dur="1000" fill="hold"/>
+                                        <p:cTn id="8" dur="1000" fill="hold"/>
                                         <p:tgtEl>
                                           <p:spTgt spid="10"/>
                                         </p:tgtEl>
@@ -8030,7 +8007,7 @@
                                     </p:anim>
                                     <p:anim calcmode="lin" valueType="num">
                                       <p:cBhvr>
-                                        <p:cTn id="14" dur="1000" fill="hold"/>
+                                        <p:cTn id="9" dur="1000" fill="hold"/>
                                         <p:tgtEl>
                                           <p:spTgt spid="10"/>
                                         </p:tgtEl>
@@ -8051,6 +8028,59 @@
                                         </p:tav>
                                       </p:tavLst>
                                     </p:anim>
+                                  </p:childTnLst>
+                                </p:cTn>
+                              </p:par>
+                            </p:childTnLst>
+                          </p:cTn>
+                        </p:par>
+                      </p:childTnLst>
+                    </p:cTn>
+                  </p:par>
+                  <p:par>
+                    <p:cTn id="10" fill="hold">
+                      <p:stCondLst>
+                        <p:cond delay="indefinite"/>
+                      </p:stCondLst>
+                      <p:childTnLst>
+                        <p:par>
+                          <p:cTn id="11" fill="hold">
+                            <p:stCondLst>
+                              <p:cond delay="0"/>
+                            </p:stCondLst>
+                            <p:childTnLst>
+                              <p:par>
+                                <p:cTn id="12" presetID="14" presetClass="entr" presetSubtype="10" fill="hold" nodeType="clickEffect">
+                                  <p:stCondLst>
+                                    <p:cond delay="0"/>
+                                  </p:stCondLst>
+                                  <p:childTnLst>
+                                    <p:set>
+                                      <p:cBhvr>
+                                        <p:cTn id="13" dur="1" fill="hold">
+                                          <p:stCondLst>
+                                            <p:cond delay="0"/>
+                                          </p:stCondLst>
+                                        </p:cTn>
+                                        <p:tgtEl>
+                                          <p:spTgt spid="11"/>
+                                        </p:tgtEl>
+                                        <p:attrNameLst>
+                                          <p:attrName>style.visibility</p:attrName>
+                                        </p:attrNameLst>
+                                      </p:cBhvr>
+                                      <p:to>
+                                        <p:strVal val="visible"/>
+                                      </p:to>
+                                    </p:set>
+                                    <p:animEffect transition="in" filter="randombar(horizontal)">
+                                      <p:cBhvr>
+                                        <p:cTn id="14" dur="500"/>
+                                        <p:tgtEl>
+                                          <p:spTgt spid="11"/>
+                                        </p:tgtEl>
+                                      </p:cBhvr>
+                                    </p:animEffect>
                                   </p:childTnLst>
                                 </p:cTn>
                               </p:par>
